--- a/Sec02_025_PostModel.pptx
+++ b/Sec02_025_PostModel.pptx
@@ -5757,8 +5757,8 @@
         </p:nvSpPr>
         <p:spPr>
           <a:xfrm>
-            <a:off x="467543" y="1268760"/>
-            <a:ext cx="8219257" cy="360040"/>
+            <a:off x="467543" y="1268759"/>
+            <a:ext cx="8219257" cy="1412527"/>
           </a:xfrm>
           <a:ln>
             <a:solidFill>
@@ -5780,18 +5780,47 @@
               <a:buChar char="u"/>
             </a:pPr>
             <a:r>
-              <a:rPr lang="en-US" sz="1800">
+              <a:rPr lang="en-US" sz="1800" dirty="0">
                 <a:solidFill>
                   <a:schemeClr val="tx1"/>
                 </a:solidFill>
               </a:rPr>
               <a:t>Code</a:t>
             </a:r>
-            <a:endParaRPr lang="en-US" sz="1800" dirty="0">
-              <a:solidFill>
-                <a:schemeClr val="tx1"/>
-              </a:solidFill>
-            </a:endParaRPr>
+          </a:p>
+          <a:p>
+            <a:pPr marL="465138" indent="-465138" algn="l">
+              <a:buClr>
+                <a:srgbClr val="0070C0"/>
+              </a:buClr>
+              <a:buFont typeface="Wingdings" pitchFamily="2" charset="2"/>
+              <a:buChar char="u"/>
+            </a:pPr>
+            <a:r>
+              <a:rPr lang="en-US" sz="1800" dirty="0">
+                <a:solidFill>
+                  <a:schemeClr val="tx1"/>
+                </a:solidFill>
+              </a:rPr>
+              <a:t>Interface is similar to class to hold the data type but interface cannot be instantiated.</a:t>
+            </a:r>
+          </a:p>
+          <a:p>
+            <a:pPr marL="465138" indent="-465138" algn="l">
+              <a:buClr>
+                <a:srgbClr val="0070C0"/>
+              </a:buClr>
+              <a:buFont typeface="Wingdings" pitchFamily="2" charset="2"/>
+              <a:buChar char="u"/>
+            </a:pPr>
+            <a:r>
+              <a:rPr lang="en-US" sz="1800" dirty="0">
+                <a:solidFill>
+                  <a:schemeClr val="tx1"/>
+                </a:solidFill>
+              </a:rPr>
+              <a:t>Remember to add “export” before interface just like class.</a:t>
+            </a:r>
           </a:p>
         </p:txBody>
       </p:sp>
@@ -5909,10 +5938,10 @@
       </p:sp>
       <p:pic>
         <p:nvPicPr>
-          <p:cNvPr id="8" name="Picture 7">
+          <p:cNvPr id="7" name="Picture 6">
             <a:extLst>
               <a:ext uri="{FF2B5EF4-FFF2-40B4-BE49-F238E27FC236}">
-                <a16:creationId xmlns:a16="http://schemas.microsoft.com/office/drawing/2014/main" id="{7F6C40B8-203E-471A-8EAD-F0651315D305}"/>
+                <a16:creationId xmlns:a16="http://schemas.microsoft.com/office/drawing/2014/main" id="{91313432-A050-4DB0-A4B4-8CE1E10B8870}"/>
               </a:ext>
             </a:extLst>
           </p:cNvPr>
@@ -5929,8 +5958,8 @@
         </p:blipFill>
         <p:spPr>
           <a:xfrm>
-            <a:off x="2771800" y="2044452"/>
-            <a:ext cx="2066925" cy="1371600"/>
+            <a:off x="3203848" y="2830510"/>
+            <a:ext cx="2476500" cy="1495425"/>
           </a:xfrm>
           <a:prstGeom prst="rect">
             <a:avLst/>
